--- a/Lecture07.pptx
+++ b/Lecture07.pptx
@@ -368,7 +368,7 @@
           <a:p>
             <a:fld id="{241EB5C9-1307-BA42-ABA2-0BC069CD8E7F}" type="datetimeFigureOut">
               <a:rPr lang="en-US" smtClean="0"/>
-              <a:t>4/5/2019</a:t>
+              <a:t>2/17/2018</a:t>
             </a:fld>
             <a:endParaRPr lang="en-US"/>
           </a:p>
@@ -538,7 +538,7 @@
           <a:p>
             <a:fld id="{241EB5C9-1307-BA42-ABA2-0BC069CD8E7F}" type="datetimeFigureOut">
               <a:rPr lang="en-US" smtClean="0"/>
-              <a:t>4/5/2019</a:t>
+              <a:t>2/17/2018</a:t>
             </a:fld>
             <a:endParaRPr lang="en-US"/>
           </a:p>
@@ -718,7 +718,7 @@
           <a:p>
             <a:fld id="{241EB5C9-1307-BA42-ABA2-0BC069CD8E7F}" type="datetimeFigureOut">
               <a:rPr lang="en-US" smtClean="0"/>
-              <a:t>4/5/2019</a:t>
+              <a:t>2/17/2018</a:t>
             </a:fld>
             <a:endParaRPr lang="en-US"/>
           </a:p>
@@ -888,7 +888,7 @@
           <a:p>
             <a:fld id="{241EB5C9-1307-BA42-ABA2-0BC069CD8E7F}" type="datetimeFigureOut">
               <a:rPr lang="en-US" smtClean="0"/>
-              <a:t>4/5/2019</a:t>
+              <a:t>2/17/2018</a:t>
             </a:fld>
             <a:endParaRPr lang="en-US"/>
           </a:p>
@@ -1134,7 +1134,7 @@
           <a:p>
             <a:fld id="{241EB5C9-1307-BA42-ABA2-0BC069CD8E7F}" type="datetimeFigureOut">
               <a:rPr lang="en-US" smtClean="0"/>
-              <a:t>4/5/2019</a:t>
+              <a:t>2/17/2018</a:t>
             </a:fld>
             <a:endParaRPr lang="en-US"/>
           </a:p>
@@ -1422,7 +1422,7 @@
           <a:p>
             <a:fld id="{241EB5C9-1307-BA42-ABA2-0BC069CD8E7F}" type="datetimeFigureOut">
               <a:rPr lang="en-US" smtClean="0"/>
-              <a:t>4/5/2019</a:t>
+              <a:t>2/17/2018</a:t>
             </a:fld>
             <a:endParaRPr lang="en-US"/>
           </a:p>
@@ -1844,7 +1844,7 @@
           <a:p>
             <a:fld id="{241EB5C9-1307-BA42-ABA2-0BC069CD8E7F}" type="datetimeFigureOut">
               <a:rPr lang="en-US" smtClean="0"/>
-              <a:t>4/5/2019</a:t>
+              <a:t>2/17/2018</a:t>
             </a:fld>
             <a:endParaRPr lang="en-US"/>
           </a:p>
@@ -1962,7 +1962,7 @@
           <a:p>
             <a:fld id="{241EB5C9-1307-BA42-ABA2-0BC069CD8E7F}" type="datetimeFigureOut">
               <a:rPr lang="en-US" smtClean="0"/>
-              <a:t>4/5/2019</a:t>
+              <a:t>2/17/2018</a:t>
             </a:fld>
             <a:endParaRPr lang="en-US"/>
           </a:p>
@@ -2057,7 +2057,7 @@
           <a:p>
             <a:fld id="{241EB5C9-1307-BA42-ABA2-0BC069CD8E7F}" type="datetimeFigureOut">
               <a:rPr lang="en-US" smtClean="0"/>
-              <a:t>4/5/2019</a:t>
+              <a:t>2/17/2018</a:t>
             </a:fld>
             <a:endParaRPr lang="en-US"/>
           </a:p>
@@ -2334,7 +2334,7 @@
           <a:p>
             <a:fld id="{241EB5C9-1307-BA42-ABA2-0BC069CD8E7F}" type="datetimeFigureOut">
               <a:rPr lang="en-US" smtClean="0"/>
-              <a:t>4/5/2019</a:t>
+              <a:t>2/17/2018</a:t>
             </a:fld>
             <a:endParaRPr lang="en-US"/>
           </a:p>
@@ -2587,7 +2587,7 @@
           <a:p>
             <a:fld id="{241EB5C9-1307-BA42-ABA2-0BC069CD8E7F}" type="datetimeFigureOut">
               <a:rPr lang="en-US" smtClean="0"/>
-              <a:t>4/5/2019</a:t>
+              <a:t>2/17/2018</a:t>
             </a:fld>
             <a:endParaRPr lang="en-US"/>
           </a:p>
@@ -2800,7 +2800,7 @@
           <a:p>
             <a:fld id="{241EB5C9-1307-BA42-ABA2-0BC069CD8E7F}" type="datetimeFigureOut">
               <a:rPr lang="en-US" smtClean="0"/>
-              <a:t>4/5/2019</a:t>
+              <a:t>2/17/2018</a:t>
             </a:fld>
             <a:endParaRPr lang="en-US"/>
           </a:p>
@@ -5703,7 +5703,7 @@
               <a:rPr sz="1800">
                 <a:latin typeface="Courier"/>
               </a:rPr>
-              <a:t>(exp, sample1 </a:t>
+              <a:t>(expr, sample1 </a:t>
             </a:r>
             <a:r>
               <a:rPr sz="1800">
@@ -5882,7 +5882,7 @@
               <a:rPr sz="1800">
                 <a:latin typeface="Courier"/>
               </a:rPr>
-              <a:t>(exp, sample1 </a:t>
+              <a:t>(expr, sample1 </a:t>
             </a:r>
             <a:r>
               <a:rPr sz="1800">
@@ -5925,31 +5925,69 @@
                 </a:solidFill>
                 <a:latin typeface="Courier"/>
               </a:rPr>
+              <a:t>select</a:t>
+            </a:r>
+            <a:r>
+              <a:rPr sz="1800">
+                <a:latin typeface="Courier"/>
+              </a:rPr>
+              <a:t>(exp_filt,sample1,sample2) </a:t>
+            </a:r>
+            <a:r>
+              <a:rPr sz="1800">
+                <a:solidFill>
+                  <a:srgbClr val="666666"/>
+                </a:solidFill>
+                <a:latin typeface="Courier"/>
+              </a:rPr>
+              <a:t>%&gt;%</a:t>
+            </a:r>
+            <a:r>
+              <a:rPr sz="1800">
+                <a:solidFill>
+                  <a:srgbClr val="4070A0"/>
+                </a:solidFill>
+                <a:latin typeface="Courier"/>
+              </a:rPr>
+              <a:t> </a:t>
+            </a:r>
+            <a:r>
+              <a:rPr sz="1800" b="1">
+                <a:solidFill>
+                  <a:srgbClr val="007020"/>
+                </a:solidFill>
+                <a:latin typeface="Courier"/>
+              </a:rPr>
               <a:t>summary</a:t>
             </a:r>
             <a:r>
               <a:rPr sz="1800">
                 <a:latin typeface="Courier"/>
               </a:rPr>
-              <a:t>(exp)</a:t>
-            </a:r>
-            <a:br/>
-            <a:r>
-              <a:rPr sz="1800" b="1">
-                <a:solidFill>
-                  <a:srgbClr val="007020"/>
-                </a:solidFill>
-                <a:latin typeface="Courier"/>
-              </a:rPr>
-              <a:t>summary</a:t>
-            </a:r>
-            <a:r>
-              <a:rPr sz="1800">
-                <a:latin typeface="Courier"/>
-              </a:rPr>
-              <a:t>(exp_filt)</a:t>
-            </a:r>
-            <a:br/>
+              <a:t>()</a:t>
+            </a:r>
+          </a:p>
+          <a:p>
+            <a:pPr lvl="0" marL="1270000" indent="0">
+              <a:buNone/>
+            </a:pPr>
+            <a:r>
+              <a:rPr sz="1800">
+                <a:latin typeface="Courier"/>
+              </a:rPr>
+              <a:t>##     sample1           sample2      
+##  Min.   :-0.4590   Min.   :-5.703  
+##  1st Qu.: 0.7226   1st Qu.: 0.756  
+##  Median : 2.6873   Median : 2.907  
+##  Mean   : 2.8391   Mean   : 2.556  
+##  3rd Qu.: 4.4338   3rd Qu.: 4.531  
+##  Max.   :12.5946   Max.   : 8.160</a:t>
+            </a:r>
+          </a:p>
+          <a:p>
+            <a:pPr lvl="0" marL="1270000" indent="0">
+              <a:buNone/>
+            </a:pPr>
             <a:r>
               <a:rPr sz="1800" i="1">
                 <a:solidFill>
@@ -8482,7 +8520,7 @@
               <a:rPr sz="1800">
                 <a:latin typeface="Courier"/>
               </a:rPr>
-              <a:t>exp =</a:t>
+              <a:t>expr =</a:t>
             </a:r>
             <a:r>
               <a:rPr sz="1800">
@@ -8497,7 +8535,7 @@
               <a:rPr sz="1800">
                 <a:latin typeface="Courier"/>
               </a:rPr>
-              <a:t>exp </a:t>
+              <a:t>expr </a:t>
             </a:r>
             <a:r>
               <a:rPr sz="1800">
@@ -8602,7 +8640,7 @@
               <a:rPr sz="1800">
                 <a:latin typeface="Courier"/>
               </a:rPr>
-              <a:t>(exp,</a:t>
+              <a:t>(expr,</a:t>
             </a:r>
             <a:r>
               <a:rPr sz="1800">
@@ -12439,7 +12477,7 @@
               <a:rPr sz="1800">
                 <a:latin typeface="Courier"/>
               </a:rPr>
-              <a:t>exp =</a:t>
+              <a:t>expr =</a:t>
             </a:r>
             <a:r>
               <a:rPr sz="1800">
@@ -13964,7 +14002,7 @@
               <a:rPr sz="1800">
                 <a:latin typeface="Courier"/>
               </a:rPr>
-              <a:t>(exp)</a:t>
+              <a:t>(expr)</a:t>
             </a:r>
           </a:p>
           <a:p>
